--- a/Vi메모_캡스톤디자인_주차별_보고.pptx
+++ b/Vi메모_캡스톤디자인_주차별_보고.pptx
@@ -5,7 +5,7 @@
     <p:sldMasterId id="2147483660" r:id="rId1"/>
   </p:sldMasterIdLst>
   <p:notesMasterIdLst>
-    <p:notesMasterId r:id="rId9"/>
+    <p:notesMasterId r:id="rId11"/>
   </p:notesMasterIdLst>
   <p:sldIdLst>
     <p:sldId id="256" r:id="rId2"/>
@@ -15,6 +15,8 @@
     <p:sldId id="268" r:id="rId6"/>
     <p:sldId id="269" r:id="rId7"/>
     <p:sldId id="270" r:id="rId8"/>
+    <p:sldId id="271" r:id="rId9"/>
+    <p:sldId id="272" r:id="rId10"/>
   </p:sldIdLst>
   <p:sldSz cx="9144000" cy="6858000" type="screen4x3"/>
   <p:notesSz cx="6858000" cy="9144000"/>
@@ -491,7 +493,7 @@
           <a:p>
             <a:fld id="{E7F6F9A2-9DD7-4BFD-8560-ED9D186197C6}" type="datetimeFigureOut">
               <a:rPr lang="ko-KR" altLang="en-US" smtClean="0"/>
-              <a:t>2023-05-09</a:t>
+              <a:t>2023-05-23</a:t>
             </a:fld>
             <a:endParaRPr lang="ko-KR" altLang="en-US"/>
           </a:p>
@@ -6626,6 +6628,726 @@
     <p:extLst>
       <p:ext uri="{BB962C8B-B14F-4D97-AF65-F5344CB8AC3E}">
         <p14:creationId xmlns:p14="http://schemas.microsoft.com/office/powerpoint/2010/main" val="1935762384"/>
+      </p:ext>
+    </p:extLst>
+  </p:cSld>
+  <p:clrMapOvr>
+    <a:masterClrMapping/>
+  </p:clrMapOvr>
+</p:sld>
+</file>
+
+<file path=ppt/slides/slide8.xml><?xml version="1.0" encoding="utf-8"?>
+<p:sld xmlns:a="http://schemas.openxmlformats.org/drawingml/2006/main" xmlns:r="http://schemas.openxmlformats.org/officeDocument/2006/relationships" xmlns:p="http://schemas.openxmlformats.org/presentationml/2006/main">
+  <p:cSld>
+    <p:spTree>
+      <p:nvGrpSpPr>
+        <p:cNvPr id="1" name=""/>
+        <p:cNvGrpSpPr/>
+        <p:nvPr/>
+      </p:nvGrpSpPr>
+      <p:grpSpPr>
+        <a:xfrm>
+          <a:off x="0" y="0"/>
+          <a:ext cx="0" cy="0"/>
+          <a:chOff x="0" y="0"/>
+          <a:chExt cx="0" cy="0"/>
+        </a:xfrm>
+      </p:grpSpPr>
+      <p:sp>
+        <p:nvSpPr>
+          <p:cNvPr id="2" name="제목 1">
+            <a:extLst>
+              <a:ext uri="{FF2B5EF4-FFF2-40B4-BE49-F238E27FC236}">
+                <a16:creationId xmlns:a16="http://schemas.microsoft.com/office/drawing/2014/main" id="{A9C20AD8-0A88-D47E-34E7-C0A604983B9F}"/>
+              </a:ext>
+            </a:extLst>
+          </p:cNvPr>
+          <p:cNvSpPr>
+            <a:spLocks noGrp="1"/>
+          </p:cNvSpPr>
+          <p:nvPr>
+            <p:ph type="title"/>
+          </p:nvPr>
+        </p:nvSpPr>
+        <p:spPr/>
+        <p:txBody>
+          <a:bodyPr/>
+          <a:lstStyle/>
+          <a:p>
+            <a:r>
+              <a:rPr lang="en-US" altLang="ko-KR" dirty="0"/>
+              <a:t>11</a:t>
+            </a:r>
+            <a:r>
+              <a:rPr lang="ko-KR" altLang="en-US" dirty="0"/>
+              <a:t>주차 </a:t>
+            </a:r>
+            <a:r>
+              <a:rPr lang="en-US" altLang="ko-KR" dirty="0"/>
+              <a:t>: </a:t>
+            </a:r>
+            <a:r>
+              <a:rPr lang="ko-KR" altLang="en-US" dirty="0"/>
+              <a:t>녹음파일 텍스트로 변환 시도</a:t>
+            </a:r>
+          </a:p>
+        </p:txBody>
+      </p:sp>
+      <p:sp>
+        <p:nvSpPr>
+          <p:cNvPr id="4" name="슬라이드 번호 개체 틀 3">
+            <a:extLst>
+              <a:ext uri="{FF2B5EF4-FFF2-40B4-BE49-F238E27FC236}">
+                <a16:creationId xmlns:a16="http://schemas.microsoft.com/office/drawing/2014/main" id="{64290F10-CA5C-0997-3FFA-E6CB67D19505}"/>
+              </a:ext>
+            </a:extLst>
+          </p:cNvPr>
+          <p:cNvSpPr>
+            <a:spLocks noGrp="1"/>
+          </p:cNvSpPr>
+          <p:nvPr>
+            <p:ph type="sldNum" sz="quarter" idx="12"/>
+          </p:nvPr>
+        </p:nvSpPr>
+        <p:spPr/>
+        <p:txBody>
+          <a:bodyPr/>
+          <a:lstStyle/>
+          <a:p>
+            <a:fld id="{2F00E46C-ED49-42AD-BB6D-7499E1F08A71}" type="slidenum">
+              <a:rPr lang="ko-KR" altLang="en-US" smtClean="0"/>
+              <a:t>8</a:t>
+            </a:fld>
+            <a:endParaRPr lang="ko-KR" altLang="en-US"/>
+          </a:p>
+        </p:txBody>
+      </p:sp>
+      <p:sp>
+        <p:nvSpPr>
+          <p:cNvPr id="6" name="직사각형 5">
+            <a:extLst>
+              <a:ext uri="{FF2B5EF4-FFF2-40B4-BE49-F238E27FC236}">
+                <a16:creationId xmlns:a16="http://schemas.microsoft.com/office/drawing/2014/main" id="{0475F946-2F3A-02A2-CDF4-64D215D33F47}"/>
+              </a:ext>
+            </a:extLst>
+          </p:cNvPr>
+          <p:cNvSpPr/>
+          <p:nvPr/>
+        </p:nvSpPr>
+        <p:spPr>
+          <a:xfrm>
+            <a:off x="2405278" y="1238884"/>
+            <a:ext cx="1870887" cy="3828526"/>
+          </a:xfrm>
+          <a:prstGeom prst="rect">
+            <a:avLst/>
+          </a:prstGeom>
+          <a:blipFill>
+            <a:blip r:embed="rId2"/>
+            <a:stretch>
+              <a:fillRect/>
+            </a:stretch>
+          </a:blipFill>
+          <a:ln>
+            <a:noFill/>
+          </a:ln>
+          <a:effectLst>
+            <a:outerShdw blurRad="63500" sx="102000" sy="102000" algn="ctr" rotWithShape="0">
+              <a:prstClr val="black">
+                <a:alpha val="40000"/>
+              </a:prstClr>
+            </a:outerShdw>
+          </a:effectLst>
+        </p:spPr>
+        <p:style>
+          <a:lnRef idx="2">
+            <a:schemeClr val="accent1">
+              <a:shade val="50000"/>
+            </a:schemeClr>
+          </a:lnRef>
+          <a:fillRef idx="1">
+            <a:schemeClr val="accent1"/>
+          </a:fillRef>
+          <a:effectRef idx="0">
+            <a:schemeClr val="accent1"/>
+          </a:effectRef>
+          <a:fontRef idx="minor">
+            <a:schemeClr val="lt1"/>
+          </a:fontRef>
+        </p:style>
+        <p:txBody>
+          <a:bodyPr rtlCol="0" anchor="ctr"/>
+          <a:lstStyle/>
+          <a:p>
+            <a:pPr algn="ctr"/>
+            <a:endParaRPr lang="ko-KR" altLang="en-US"/>
+          </a:p>
+        </p:txBody>
+      </p:sp>
+      <p:sp>
+        <p:nvSpPr>
+          <p:cNvPr id="7" name="직사각형 6">
+            <a:extLst>
+              <a:ext uri="{FF2B5EF4-FFF2-40B4-BE49-F238E27FC236}">
+                <a16:creationId xmlns:a16="http://schemas.microsoft.com/office/drawing/2014/main" id="{ADB2D07F-BFE7-EC89-B00C-BFFCFE546312}"/>
+              </a:ext>
+            </a:extLst>
+          </p:cNvPr>
+          <p:cNvSpPr/>
+          <p:nvPr/>
+        </p:nvSpPr>
+        <p:spPr>
+          <a:xfrm>
+            <a:off x="4865070" y="1238884"/>
+            <a:ext cx="1870887" cy="3828526"/>
+          </a:xfrm>
+          <a:prstGeom prst="rect">
+            <a:avLst/>
+          </a:prstGeom>
+          <a:blipFill>
+            <a:blip r:embed="rId3"/>
+            <a:stretch>
+              <a:fillRect/>
+            </a:stretch>
+          </a:blipFill>
+          <a:ln>
+            <a:noFill/>
+          </a:ln>
+          <a:effectLst>
+            <a:outerShdw blurRad="63500" sx="102000" sy="102000" algn="ctr" rotWithShape="0">
+              <a:prstClr val="black">
+                <a:alpha val="40000"/>
+              </a:prstClr>
+            </a:outerShdw>
+          </a:effectLst>
+        </p:spPr>
+        <p:style>
+          <a:lnRef idx="2">
+            <a:schemeClr val="accent1">
+              <a:shade val="50000"/>
+            </a:schemeClr>
+          </a:lnRef>
+          <a:fillRef idx="1">
+            <a:schemeClr val="accent1"/>
+          </a:fillRef>
+          <a:effectRef idx="0">
+            <a:schemeClr val="accent1"/>
+          </a:effectRef>
+          <a:fontRef idx="minor">
+            <a:schemeClr val="lt1"/>
+          </a:fontRef>
+        </p:style>
+        <p:txBody>
+          <a:bodyPr rtlCol="0" anchor="ctr"/>
+          <a:lstStyle/>
+          <a:p>
+            <a:pPr algn="ctr"/>
+            <a:endParaRPr lang="ko-KR" altLang="en-US"/>
+          </a:p>
+        </p:txBody>
+      </p:sp>
+      <p:sp>
+        <p:nvSpPr>
+          <p:cNvPr id="8" name="화살표: 오른쪽 7">
+            <a:extLst>
+              <a:ext uri="{FF2B5EF4-FFF2-40B4-BE49-F238E27FC236}">
+                <a16:creationId xmlns:a16="http://schemas.microsoft.com/office/drawing/2014/main" id="{F2EECA74-1863-CACC-8871-603C71552AFE}"/>
+              </a:ext>
+            </a:extLst>
+          </p:cNvPr>
+          <p:cNvSpPr/>
+          <p:nvPr/>
+        </p:nvSpPr>
+        <p:spPr>
+          <a:xfrm>
+            <a:off x="4278929" y="2446971"/>
+            <a:ext cx="636959" cy="315503"/>
+          </a:xfrm>
+          <a:prstGeom prst="rightArrow">
+            <a:avLst/>
+          </a:prstGeom>
+          <a:solidFill>
+            <a:srgbClr val="FF0000"/>
+          </a:solidFill>
+          <a:ln>
+            <a:noFill/>
+          </a:ln>
+        </p:spPr>
+        <p:style>
+          <a:lnRef idx="2">
+            <a:schemeClr val="accent1">
+              <a:shade val="50000"/>
+            </a:schemeClr>
+          </a:lnRef>
+          <a:fillRef idx="1">
+            <a:schemeClr val="accent1"/>
+          </a:fillRef>
+          <a:effectRef idx="0">
+            <a:schemeClr val="accent1"/>
+          </a:effectRef>
+          <a:fontRef idx="minor">
+            <a:schemeClr val="lt1"/>
+          </a:fontRef>
+        </p:style>
+        <p:txBody>
+          <a:bodyPr rtlCol="0" anchor="ctr"/>
+          <a:lstStyle/>
+          <a:p>
+            <a:pPr algn="ctr"/>
+            <a:endParaRPr lang="ko-KR" altLang="en-US"/>
+          </a:p>
+        </p:txBody>
+      </p:sp>
+      <p:sp>
+        <p:nvSpPr>
+          <p:cNvPr id="9" name="TextBox 8">
+            <a:extLst>
+              <a:ext uri="{FF2B5EF4-FFF2-40B4-BE49-F238E27FC236}">
+                <a16:creationId xmlns:a16="http://schemas.microsoft.com/office/drawing/2014/main" id="{E0EBACB3-A0DB-D5EA-78CE-6F0B405ACF9B}"/>
+              </a:ext>
+            </a:extLst>
+          </p:cNvPr>
+          <p:cNvSpPr txBox="1"/>
+          <p:nvPr/>
+        </p:nvSpPr>
+        <p:spPr>
+          <a:xfrm>
+            <a:off x="1134815" y="5332651"/>
+            <a:ext cx="6874369" cy="646331"/>
+          </a:xfrm>
+          <a:prstGeom prst="rect">
+            <a:avLst/>
+          </a:prstGeom>
+          <a:noFill/>
+        </p:spPr>
+        <p:txBody>
+          <a:bodyPr wrap="square" rtlCol="0">
+            <a:spAutoFit/>
+          </a:bodyPr>
+          <a:lstStyle/>
+          <a:p>
+            <a:r>
+              <a:rPr lang="ko-KR" altLang="en-US" b="1" dirty="0"/>
+              <a:t> </a:t>
+            </a:r>
+            <a:r>
+              <a:rPr lang="en-US" altLang="ko-KR" b="1" dirty="0"/>
+              <a:t>- </a:t>
+            </a:r>
+            <a:r>
+              <a:rPr lang="ko-KR" altLang="en-US" b="1" dirty="0"/>
+              <a:t>녹음파일의 내용을 인식하여 텍스트로 변환하려는 시도를 했습니다</a:t>
+            </a:r>
+            <a:r>
+              <a:rPr lang="en-US" altLang="ko-KR" b="1" dirty="0"/>
+              <a:t>.</a:t>
+            </a:r>
+            <a:endParaRPr lang="ko-KR" altLang="en-US" b="1" dirty="0"/>
+          </a:p>
+        </p:txBody>
+      </p:sp>
+    </p:spTree>
+    <p:extLst>
+      <p:ext uri="{BB962C8B-B14F-4D97-AF65-F5344CB8AC3E}">
+        <p14:creationId xmlns:p14="http://schemas.microsoft.com/office/powerpoint/2010/main" val="3846338613"/>
+      </p:ext>
+    </p:extLst>
+  </p:cSld>
+  <p:clrMapOvr>
+    <a:masterClrMapping/>
+  </p:clrMapOvr>
+</p:sld>
+</file>
+
+<file path=ppt/slides/slide9.xml><?xml version="1.0" encoding="utf-8"?>
+<p:sld xmlns:a="http://schemas.openxmlformats.org/drawingml/2006/main" xmlns:r="http://schemas.openxmlformats.org/officeDocument/2006/relationships" xmlns:p="http://schemas.openxmlformats.org/presentationml/2006/main">
+  <p:cSld>
+    <p:spTree>
+      <p:nvGrpSpPr>
+        <p:cNvPr id="1" name=""/>
+        <p:cNvGrpSpPr/>
+        <p:nvPr/>
+      </p:nvGrpSpPr>
+      <p:grpSpPr>
+        <a:xfrm>
+          <a:off x="0" y="0"/>
+          <a:ext cx="0" cy="0"/>
+          <a:chOff x="0" y="0"/>
+          <a:chExt cx="0" cy="0"/>
+        </a:xfrm>
+      </p:grpSpPr>
+      <p:sp>
+        <p:nvSpPr>
+          <p:cNvPr id="4" name="슬라이드 번호 개체 틀 3">
+            <a:extLst>
+              <a:ext uri="{FF2B5EF4-FFF2-40B4-BE49-F238E27FC236}">
+                <a16:creationId xmlns:a16="http://schemas.microsoft.com/office/drawing/2014/main" id="{44D11353-19BC-1C73-B83E-B3CBA218BEDA}"/>
+              </a:ext>
+            </a:extLst>
+          </p:cNvPr>
+          <p:cNvSpPr>
+            <a:spLocks noGrp="1"/>
+          </p:cNvSpPr>
+          <p:nvPr>
+            <p:ph type="sldNum" sz="quarter" idx="12"/>
+          </p:nvPr>
+        </p:nvSpPr>
+        <p:spPr/>
+        <p:txBody>
+          <a:bodyPr/>
+          <a:lstStyle/>
+          <a:p>
+            <a:fld id="{2F00E46C-ED49-42AD-BB6D-7499E1F08A71}" type="slidenum">
+              <a:rPr lang="ko-KR" altLang="en-US" smtClean="0"/>
+              <a:t>9</a:t>
+            </a:fld>
+            <a:endParaRPr lang="ko-KR" altLang="en-US"/>
+          </a:p>
+        </p:txBody>
+      </p:sp>
+      <p:sp>
+        <p:nvSpPr>
+          <p:cNvPr id="6" name="제목 5">
+            <a:extLst>
+              <a:ext uri="{FF2B5EF4-FFF2-40B4-BE49-F238E27FC236}">
+                <a16:creationId xmlns:a16="http://schemas.microsoft.com/office/drawing/2014/main" id="{3567C5A4-8B20-7528-477B-63EC9F2AEEBA}"/>
+              </a:ext>
+            </a:extLst>
+          </p:cNvPr>
+          <p:cNvSpPr>
+            <a:spLocks noGrp="1"/>
+          </p:cNvSpPr>
+          <p:nvPr>
+            <p:ph type="title"/>
+          </p:nvPr>
+        </p:nvSpPr>
+        <p:spPr/>
+        <p:txBody>
+          <a:bodyPr/>
+          <a:lstStyle/>
+          <a:p>
+            <a:r>
+              <a:rPr lang="en-US" altLang="ko-KR" dirty="0"/>
+              <a:t>12</a:t>
+            </a:r>
+            <a:r>
+              <a:rPr lang="ko-KR" altLang="en-US" dirty="0"/>
+              <a:t>주차 </a:t>
+            </a:r>
+            <a:r>
+              <a:rPr lang="en-US" altLang="ko-KR" dirty="0"/>
+              <a:t>: STT</a:t>
+            </a:r>
+            <a:r>
+              <a:rPr lang="ko-KR" altLang="en-US" dirty="0"/>
+              <a:t>를 활용한 텍스트 메모 기능</a:t>
+            </a:r>
+          </a:p>
+        </p:txBody>
+      </p:sp>
+      <p:sp>
+        <p:nvSpPr>
+          <p:cNvPr id="8" name="TextBox 7">
+            <a:extLst>
+              <a:ext uri="{FF2B5EF4-FFF2-40B4-BE49-F238E27FC236}">
+                <a16:creationId xmlns:a16="http://schemas.microsoft.com/office/drawing/2014/main" id="{06DF60D8-AC2E-C22C-CD63-887541BA9491}"/>
+              </a:ext>
+            </a:extLst>
+          </p:cNvPr>
+          <p:cNvSpPr txBox="1"/>
+          <p:nvPr/>
+        </p:nvSpPr>
+        <p:spPr>
+          <a:xfrm>
+            <a:off x="1134815" y="5332651"/>
+            <a:ext cx="6874369" cy="923330"/>
+          </a:xfrm>
+          <a:prstGeom prst="rect">
+            <a:avLst/>
+          </a:prstGeom>
+          <a:noFill/>
+        </p:spPr>
+        <p:txBody>
+          <a:bodyPr wrap="square" rtlCol="0">
+            <a:spAutoFit/>
+          </a:bodyPr>
+          <a:lstStyle/>
+          <a:p>
+            <a:r>
+              <a:rPr lang="ko-KR" altLang="en-US" b="1" dirty="0"/>
+              <a:t> </a:t>
+            </a:r>
+            <a:r>
+              <a:rPr lang="en-US" altLang="ko-KR" b="1" dirty="0"/>
+              <a:t>- STT</a:t>
+            </a:r>
+            <a:r>
+              <a:rPr lang="ko-KR" altLang="en-US" b="1" dirty="0"/>
+              <a:t>를 활용하여 </a:t>
+            </a:r>
+            <a:r>
+              <a:rPr lang="ko-KR" altLang="en-US" b="1" dirty="0">
+                <a:solidFill>
+                  <a:srgbClr val="FF0000"/>
+                </a:solidFill>
+              </a:rPr>
+              <a:t>텍스트</a:t>
+            </a:r>
+            <a:r>
+              <a:rPr lang="ko-KR" altLang="en-US" b="1" dirty="0"/>
+              <a:t>를 입력하여 메모를 작성할 수 있습니다</a:t>
+            </a:r>
+            <a:r>
+              <a:rPr lang="en-US" altLang="ko-KR" b="1" dirty="0"/>
+              <a:t>.</a:t>
+            </a:r>
+          </a:p>
+          <a:p>
+            <a:r>
+              <a:rPr lang="en-US" altLang="ko-KR" b="1" dirty="0"/>
+              <a:t> - </a:t>
+            </a:r>
+            <a:r>
+              <a:rPr lang="ko-KR" altLang="en-US" b="1" dirty="0"/>
+              <a:t>텍스트 메모는 텍스트 </a:t>
+            </a:r>
+            <a:r>
+              <a:rPr lang="ko-KR" altLang="en-US" b="1" dirty="0">
+                <a:solidFill>
+                  <a:srgbClr val="FF0000"/>
+                </a:solidFill>
+              </a:rPr>
+              <a:t>전용 뷰어</a:t>
+            </a:r>
+            <a:r>
+              <a:rPr lang="ko-KR" altLang="en-US" b="1" dirty="0"/>
+              <a:t>를 통하여 확인할 수 있습니다</a:t>
+            </a:r>
+            <a:r>
+              <a:rPr lang="en-US" altLang="ko-KR" b="1" dirty="0"/>
+              <a:t>.</a:t>
+            </a:r>
+          </a:p>
+          <a:p>
+            <a:r>
+              <a:rPr lang="en-US" altLang="ko-KR" b="1" dirty="0"/>
+              <a:t> - </a:t>
+            </a:r>
+            <a:r>
+              <a:rPr lang="ko-KR" altLang="en-US" b="1" dirty="0"/>
+              <a:t>제스처를 할 때 화면 상에 </a:t>
+            </a:r>
+            <a:r>
+              <a:rPr lang="ko-KR" altLang="en-US" b="1" dirty="0">
+                <a:solidFill>
+                  <a:srgbClr val="FF0000"/>
+                </a:solidFill>
+              </a:rPr>
+              <a:t>제스처 아이콘</a:t>
+            </a:r>
+            <a:r>
+              <a:rPr lang="ko-KR" altLang="en-US" b="1" dirty="0"/>
+              <a:t>이 나타납니다</a:t>
+            </a:r>
+            <a:r>
+              <a:rPr lang="en-US" altLang="ko-KR" b="1" dirty="0"/>
+              <a:t>.</a:t>
+            </a:r>
+            <a:endParaRPr lang="ko-KR" altLang="en-US" b="1" dirty="0"/>
+          </a:p>
+        </p:txBody>
+      </p:sp>
+      <p:sp>
+        <p:nvSpPr>
+          <p:cNvPr id="9" name="직사각형 8">
+            <a:extLst>
+              <a:ext uri="{FF2B5EF4-FFF2-40B4-BE49-F238E27FC236}">
+                <a16:creationId xmlns:a16="http://schemas.microsoft.com/office/drawing/2014/main" id="{DD24548C-2081-4E78-4AC5-B4DC10FE482B}"/>
+              </a:ext>
+            </a:extLst>
+          </p:cNvPr>
+          <p:cNvSpPr/>
+          <p:nvPr/>
+        </p:nvSpPr>
+        <p:spPr>
+          <a:xfrm>
+            <a:off x="3636556" y="1238884"/>
+            <a:ext cx="1870887" cy="3828526"/>
+          </a:xfrm>
+          <a:prstGeom prst="rect">
+            <a:avLst/>
+          </a:prstGeom>
+          <a:blipFill>
+            <a:blip r:embed="rId2"/>
+            <a:stretch>
+              <a:fillRect/>
+            </a:stretch>
+          </a:blipFill>
+          <a:ln>
+            <a:noFill/>
+          </a:ln>
+          <a:effectLst>
+            <a:outerShdw blurRad="63500" sx="102000" sy="102000" algn="ctr" rotWithShape="0">
+              <a:prstClr val="black">
+                <a:alpha val="40000"/>
+              </a:prstClr>
+            </a:outerShdw>
+          </a:effectLst>
+        </p:spPr>
+        <p:style>
+          <a:lnRef idx="2">
+            <a:schemeClr val="accent1">
+              <a:shade val="50000"/>
+            </a:schemeClr>
+          </a:lnRef>
+          <a:fillRef idx="1">
+            <a:schemeClr val="accent1"/>
+          </a:fillRef>
+          <a:effectRef idx="0">
+            <a:schemeClr val="accent1"/>
+          </a:effectRef>
+          <a:fontRef idx="minor">
+            <a:schemeClr val="lt1"/>
+          </a:fontRef>
+        </p:style>
+        <p:txBody>
+          <a:bodyPr rtlCol="0" anchor="ctr"/>
+          <a:lstStyle/>
+          <a:p>
+            <a:pPr algn="ctr"/>
+            <a:endParaRPr lang="ko-KR" altLang="en-US"/>
+          </a:p>
+        </p:txBody>
+      </p:sp>
+      <p:sp>
+        <p:nvSpPr>
+          <p:cNvPr id="10" name="직사각형 9">
+            <a:extLst>
+              <a:ext uri="{FF2B5EF4-FFF2-40B4-BE49-F238E27FC236}">
+                <a16:creationId xmlns:a16="http://schemas.microsoft.com/office/drawing/2014/main" id="{8D519B95-08F9-6DDB-9A05-9D4D28AFB740}"/>
+              </a:ext>
+            </a:extLst>
+          </p:cNvPr>
+          <p:cNvSpPr/>
+          <p:nvPr/>
+        </p:nvSpPr>
+        <p:spPr>
+          <a:xfrm>
+            <a:off x="5710865" y="1238884"/>
+            <a:ext cx="1870887" cy="3828526"/>
+          </a:xfrm>
+          <a:prstGeom prst="rect">
+            <a:avLst/>
+          </a:prstGeom>
+          <a:blipFill>
+            <a:blip r:embed="rId3"/>
+            <a:stretch>
+              <a:fillRect/>
+            </a:stretch>
+          </a:blipFill>
+          <a:ln>
+            <a:noFill/>
+          </a:ln>
+          <a:effectLst>
+            <a:outerShdw blurRad="63500" sx="102000" sy="102000" algn="ctr" rotWithShape="0">
+              <a:prstClr val="black">
+                <a:alpha val="40000"/>
+              </a:prstClr>
+            </a:outerShdw>
+          </a:effectLst>
+        </p:spPr>
+        <p:style>
+          <a:lnRef idx="2">
+            <a:schemeClr val="accent1">
+              <a:shade val="50000"/>
+            </a:schemeClr>
+          </a:lnRef>
+          <a:fillRef idx="1">
+            <a:schemeClr val="accent1"/>
+          </a:fillRef>
+          <a:effectRef idx="0">
+            <a:schemeClr val="accent1"/>
+          </a:effectRef>
+          <a:fontRef idx="minor">
+            <a:schemeClr val="lt1"/>
+          </a:fontRef>
+        </p:style>
+        <p:txBody>
+          <a:bodyPr rtlCol="0" anchor="ctr"/>
+          <a:lstStyle/>
+          <a:p>
+            <a:pPr algn="ctr"/>
+            <a:endParaRPr lang="ko-KR" altLang="en-US"/>
+          </a:p>
+        </p:txBody>
+      </p:sp>
+      <p:sp>
+        <p:nvSpPr>
+          <p:cNvPr id="11" name="직사각형 10">
+            <a:extLst>
+              <a:ext uri="{FF2B5EF4-FFF2-40B4-BE49-F238E27FC236}">
+                <a16:creationId xmlns:a16="http://schemas.microsoft.com/office/drawing/2014/main" id="{5562B42E-A4D4-202C-FE55-D08170744EF9}"/>
+              </a:ext>
+            </a:extLst>
+          </p:cNvPr>
+          <p:cNvSpPr/>
+          <p:nvPr/>
+        </p:nvSpPr>
+        <p:spPr>
+          <a:xfrm>
+            <a:off x="1562247" y="1238884"/>
+            <a:ext cx="1870887" cy="3828526"/>
+          </a:xfrm>
+          <a:prstGeom prst="rect">
+            <a:avLst/>
+          </a:prstGeom>
+          <a:blipFill>
+            <a:blip r:embed="rId4"/>
+            <a:stretch>
+              <a:fillRect/>
+            </a:stretch>
+          </a:blipFill>
+          <a:ln>
+            <a:noFill/>
+          </a:ln>
+          <a:effectLst>
+            <a:outerShdw blurRad="63500" sx="102000" sy="102000" algn="ctr" rotWithShape="0">
+              <a:prstClr val="black">
+                <a:alpha val="40000"/>
+              </a:prstClr>
+            </a:outerShdw>
+          </a:effectLst>
+        </p:spPr>
+        <p:style>
+          <a:lnRef idx="2">
+            <a:schemeClr val="accent1">
+              <a:shade val="50000"/>
+            </a:schemeClr>
+          </a:lnRef>
+          <a:fillRef idx="1">
+            <a:schemeClr val="accent1"/>
+          </a:fillRef>
+          <a:effectRef idx="0">
+            <a:schemeClr val="accent1"/>
+          </a:effectRef>
+          <a:fontRef idx="minor">
+            <a:schemeClr val="lt1"/>
+          </a:fontRef>
+        </p:style>
+        <p:txBody>
+          <a:bodyPr rtlCol="0" anchor="ctr"/>
+          <a:lstStyle/>
+          <a:p>
+            <a:pPr algn="ctr"/>
+            <a:endParaRPr lang="ko-KR" altLang="en-US"/>
+          </a:p>
+        </p:txBody>
+      </p:sp>
+    </p:spTree>
+    <p:extLst>
+      <p:ext uri="{BB962C8B-B14F-4D97-AF65-F5344CB8AC3E}">
+        <p14:creationId xmlns:p14="http://schemas.microsoft.com/office/powerpoint/2010/main" val="3102057427"/>
       </p:ext>
     </p:extLst>
   </p:cSld>

--- a/Vi메모_캡스톤디자인_주차별_보고.pptx
+++ b/Vi메모_캡스톤디자인_주차별_보고.pptx
@@ -5,7 +5,7 @@
     <p:sldMasterId id="2147483660" r:id="rId1"/>
   </p:sldMasterIdLst>
   <p:notesMasterIdLst>
-    <p:notesMasterId r:id="rId11"/>
+    <p:notesMasterId r:id="rId12"/>
   </p:notesMasterIdLst>
   <p:sldIdLst>
     <p:sldId id="256" r:id="rId2"/>
@@ -17,6 +17,7 @@
     <p:sldId id="270" r:id="rId8"/>
     <p:sldId id="271" r:id="rId9"/>
     <p:sldId id="272" r:id="rId10"/>
+    <p:sldId id="273" r:id="rId11"/>
   </p:sldIdLst>
   <p:sldSz cx="9144000" cy="6858000" type="screen4x3"/>
   <p:notesSz cx="6858000" cy="9144000"/>
@@ -493,7 +494,7 @@
           <a:p>
             <a:fld id="{E7F6F9A2-9DD7-4BFD-8560-ED9D186197C6}" type="datetimeFigureOut">
               <a:rPr lang="ko-KR" altLang="en-US" smtClean="0"/>
-              <a:t>2023-05-23</a:t>
+              <a:t>2023-05-30</a:t>
             </a:fld>
             <a:endParaRPr lang="ko-KR" altLang="en-US"/>
           </a:p>
@@ -4409,6 +4410,321 @@
     <p:extLst>
       <p:ext uri="{BB962C8B-B14F-4D97-AF65-F5344CB8AC3E}">
         <p14:creationId xmlns:p14="http://schemas.microsoft.com/office/powerpoint/2010/main" val="270456694"/>
+      </p:ext>
+    </p:extLst>
+  </p:cSld>
+  <p:clrMapOvr>
+    <a:masterClrMapping/>
+  </p:clrMapOvr>
+</p:sld>
+</file>
+
+<file path=ppt/slides/slide10.xml><?xml version="1.0" encoding="utf-8"?>
+<p:sld xmlns:a="http://schemas.openxmlformats.org/drawingml/2006/main" xmlns:r="http://schemas.openxmlformats.org/officeDocument/2006/relationships" xmlns:p="http://schemas.openxmlformats.org/presentationml/2006/main">
+  <p:cSld>
+    <p:spTree>
+      <p:nvGrpSpPr>
+        <p:cNvPr id="1" name=""/>
+        <p:cNvGrpSpPr/>
+        <p:nvPr/>
+      </p:nvGrpSpPr>
+      <p:grpSpPr>
+        <a:xfrm>
+          <a:off x="0" y="0"/>
+          <a:ext cx="0" cy="0"/>
+          <a:chOff x="0" y="0"/>
+          <a:chExt cx="0" cy="0"/>
+        </a:xfrm>
+      </p:grpSpPr>
+      <p:sp>
+        <p:nvSpPr>
+          <p:cNvPr id="4" name="슬라이드 번호 개체 틀 3">
+            <a:extLst>
+              <a:ext uri="{FF2B5EF4-FFF2-40B4-BE49-F238E27FC236}">
+                <a16:creationId xmlns:a16="http://schemas.microsoft.com/office/drawing/2014/main" id="{44D11353-19BC-1C73-B83E-B3CBA218BEDA}"/>
+              </a:ext>
+            </a:extLst>
+          </p:cNvPr>
+          <p:cNvSpPr>
+            <a:spLocks noGrp="1"/>
+          </p:cNvSpPr>
+          <p:nvPr>
+            <p:ph type="sldNum" sz="quarter" idx="12"/>
+          </p:nvPr>
+        </p:nvSpPr>
+        <p:spPr/>
+        <p:txBody>
+          <a:bodyPr/>
+          <a:lstStyle/>
+          <a:p>
+            <a:fld id="{2F00E46C-ED49-42AD-BB6D-7499E1F08A71}" type="slidenum">
+              <a:rPr lang="ko-KR" altLang="en-US" smtClean="0"/>
+              <a:t>10</a:t>
+            </a:fld>
+            <a:endParaRPr lang="ko-KR" altLang="en-US"/>
+          </a:p>
+        </p:txBody>
+      </p:sp>
+      <p:sp>
+        <p:nvSpPr>
+          <p:cNvPr id="6" name="제목 5">
+            <a:extLst>
+              <a:ext uri="{FF2B5EF4-FFF2-40B4-BE49-F238E27FC236}">
+                <a16:creationId xmlns:a16="http://schemas.microsoft.com/office/drawing/2014/main" id="{3567C5A4-8B20-7528-477B-63EC9F2AEEBA}"/>
+              </a:ext>
+            </a:extLst>
+          </p:cNvPr>
+          <p:cNvSpPr>
+            <a:spLocks noGrp="1"/>
+          </p:cNvSpPr>
+          <p:nvPr>
+            <p:ph type="title"/>
+          </p:nvPr>
+        </p:nvSpPr>
+        <p:spPr/>
+        <p:txBody>
+          <a:bodyPr/>
+          <a:lstStyle/>
+          <a:p>
+            <a:r>
+              <a:rPr lang="en-US" altLang="ko-KR" dirty="0"/>
+              <a:t>13</a:t>
+            </a:r>
+            <a:r>
+              <a:rPr lang="ko-KR" altLang="en-US" dirty="0"/>
+              <a:t>주차 </a:t>
+            </a:r>
+            <a:r>
+              <a:rPr lang="en-US" altLang="ko-KR" dirty="0"/>
+              <a:t>: </a:t>
+            </a:r>
+            <a:r>
+              <a:rPr lang="ko-KR" altLang="en-US" dirty="0"/>
+              <a:t>텍스트 내용 인식하여 전화하기</a:t>
+            </a:r>
+          </a:p>
+        </p:txBody>
+      </p:sp>
+      <p:sp>
+        <p:nvSpPr>
+          <p:cNvPr id="8" name="TextBox 7">
+            <a:extLst>
+              <a:ext uri="{FF2B5EF4-FFF2-40B4-BE49-F238E27FC236}">
+                <a16:creationId xmlns:a16="http://schemas.microsoft.com/office/drawing/2014/main" id="{06DF60D8-AC2E-C22C-CD63-887541BA9491}"/>
+              </a:ext>
+            </a:extLst>
+          </p:cNvPr>
+          <p:cNvSpPr txBox="1"/>
+          <p:nvPr/>
+        </p:nvSpPr>
+        <p:spPr>
+          <a:xfrm>
+            <a:off x="1134815" y="5332651"/>
+            <a:ext cx="6874369" cy="646331"/>
+          </a:xfrm>
+          <a:prstGeom prst="rect">
+            <a:avLst/>
+          </a:prstGeom>
+          <a:noFill/>
+        </p:spPr>
+        <p:txBody>
+          <a:bodyPr wrap="square" rtlCol="0">
+            <a:spAutoFit/>
+          </a:bodyPr>
+          <a:lstStyle/>
+          <a:p>
+            <a:r>
+              <a:rPr lang="ko-KR" altLang="en-US" b="1" dirty="0"/>
+              <a:t> </a:t>
+            </a:r>
+            <a:r>
+              <a:rPr lang="en-US" altLang="ko-KR" b="1" dirty="0"/>
+              <a:t>- </a:t>
+            </a:r>
+            <a:r>
+              <a:rPr lang="ko-KR" altLang="en-US" b="1" dirty="0"/>
+              <a:t>텍스트로 작성된 메모에서 </a:t>
+            </a:r>
+            <a:r>
+              <a:rPr lang="ko-KR" altLang="en-US" b="1" dirty="0">
+                <a:solidFill>
+                  <a:srgbClr val="FF0000"/>
+                </a:solidFill>
+              </a:rPr>
+              <a:t>전화번호</a:t>
+            </a:r>
+            <a:r>
+              <a:rPr lang="ko-KR" altLang="en-US" b="1" dirty="0"/>
+              <a:t> 패턴을 인식하여 따로 추출한 후 전화를 걸 수 있습니다</a:t>
+            </a:r>
+            <a:r>
+              <a:rPr lang="en-US" altLang="ko-KR" b="1" dirty="0"/>
+              <a:t>.</a:t>
+            </a:r>
+          </a:p>
+        </p:txBody>
+      </p:sp>
+      <p:sp>
+        <p:nvSpPr>
+          <p:cNvPr id="11" name="직사각형 10">
+            <a:extLst>
+              <a:ext uri="{FF2B5EF4-FFF2-40B4-BE49-F238E27FC236}">
+                <a16:creationId xmlns:a16="http://schemas.microsoft.com/office/drawing/2014/main" id="{5562B42E-A4D4-202C-FE55-D08170744EF9}"/>
+              </a:ext>
+            </a:extLst>
+          </p:cNvPr>
+          <p:cNvSpPr/>
+          <p:nvPr/>
+        </p:nvSpPr>
+        <p:spPr>
+          <a:xfrm>
+            <a:off x="5394663" y="1250644"/>
+            <a:ext cx="1870887" cy="3828526"/>
+          </a:xfrm>
+          <a:prstGeom prst="rect">
+            <a:avLst/>
+          </a:prstGeom>
+          <a:blipFill>
+            <a:blip r:embed="rId2"/>
+            <a:stretch>
+              <a:fillRect/>
+            </a:stretch>
+          </a:blipFill>
+          <a:ln>
+            <a:noFill/>
+          </a:ln>
+          <a:effectLst>
+            <a:outerShdw blurRad="63500" sx="102000" sy="102000" algn="ctr" rotWithShape="0">
+              <a:prstClr val="black">
+                <a:alpha val="40000"/>
+              </a:prstClr>
+            </a:outerShdw>
+          </a:effectLst>
+        </p:spPr>
+        <p:style>
+          <a:lnRef idx="2">
+            <a:schemeClr val="accent1">
+              <a:shade val="50000"/>
+            </a:schemeClr>
+          </a:lnRef>
+          <a:fillRef idx="1">
+            <a:schemeClr val="accent1"/>
+          </a:fillRef>
+          <a:effectRef idx="0">
+            <a:schemeClr val="accent1"/>
+          </a:effectRef>
+          <a:fontRef idx="minor">
+            <a:schemeClr val="lt1"/>
+          </a:fontRef>
+        </p:style>
+        <p:txBody>
+          <a:bodyPr rtlCol="0" anchor="ctr"/>
+          <a:lstStyle/>
+          <a:p>
+            <a:pPr algn="ctr"/>
+            <a:endParaRPr lang="ko-KR" altLang="en-US"/>
+          </a:p>
+        </p:txBody>
+      </p:sp>
+      <p:pic>
+        <p:nvPicPr>
+          <p:cNvPr id="13" name="그림 12" descr="텍스트, 스크린샷, 폰트, 소프트웨어이(가) 표시된 사진&#10;&#10;자동 생성된 설명">
+            <a:extLst>
+              <a:ext uri="{FF2B5EF4-FFF2-40B4-BE49-F238E27FC236}">
+                <a16:creationId xmlns:a16="http://schemas.microsoft.com/office/drawing/2014/main" id="{DAAA54CB-75B3-2C3A-3C31-7CB4B0720332}"/>
+              </a:ext>
+            </a:extLst>
+          </p:cNvPr>
+          <p:cNvPicPr>
+            <a:picLocks noChangeAspect="1"/>
+          </p:cNvPicPr>
+          <p:nvPr/>
+        </p:nvPicPr>
+        <p:blipFill rotWithShape="1">
+          <a:blip r:embed="rId3">
+            <a:extLst>
+              <a:ext uri="{28A0092B-C50C-407E-A947-70E740481C1C}">
+                <a14:useLocalDpi xmlns:a14="http://schemas.microsoft.com/office/drawing/2010/main" val="0"/>
+              </a:ext>
+            </a:extLst>
+          </a:blip>
+          <a:srcRect l="2708" t="4575" r="2978" b="50327"/>
+          <a:stretch/>
+        </p:blipFill>
+        <p:spPr>
+          <a:xfrm>
+            <a:off x="1878450" y="1250644"/>
+            <a:ext cx="3146611" cy="3092825"/>
+          </a:xfrm>
+          <a:prstGeom prst="rect">
+            <a:avLst/>
+          </a:prstGeom>
+        </p:spPr>
+      </p:pic>
+      <p:sp>
+        <p:nvSpPr>
+          <p:cNvPr id="15" name="TextBox 14">
+            <a:extLst>
+              <a:ext uri="{FF2B5EF4-FFF2-40B4-BE49-F238E27FC236}">
+                <a16:creationId xmlns:a16="http://schemas.microsoft.com/office/drawing/2014/main" id="{50BDAD2A-2113-E47E-75EA-E07C193DBDD1}"/>
+              </a:ext>
+            </a:extLst>
+          </p:cNvPr>
+          <p:cNvSpPr txBox="1"/>
+          <p:nvPr/>
+        </p:nvSpPr>
+        <p:spPr>
+          <a:xfrm>
+            <a:off x="2897757" y="4468728"/>
+            <a:ext cx="1107996" cy="369332"/>
+          </a:xfrm>
+          <a:prstGeom prst="rect">
+            <a:avLst/>
+          </a:prstGeom>
+          <a:noFill/>
+        </p:spPr>
+        <p:txBody>
+          <a:bodyPr wrap="none" rtlCol="0">
+            <a:spAutoFit/>
+          </a:bodyPr>
+          <a:lstStyle/>
+          <a:p>
+            <a:r>
+              <a:rPr lang="en-US" altLang="ko-KR" b="1" dirty="0">
+                <a:solidFill>
+                  <a:srgbClr val="FF0000"/>
+                </a:solidFill>
+              </a:rPr>
+              <a:t>&lt;</a:t>
+            </a:r>
+            <a:r>
+              <a:rPr lang="ko-KR" altLang="en-US" b="1" dirty="0" err="1">
+                <a:solidFill>
+                  <a:srgbClr val="FF0000"/>
+                </a:solidFill>
+              </a:rPr>
+              <a:t>예시문</a:t>
+            </a:r>
+            <a:r>
+              <a:rPr lang="en-US" altLang="ko-KR" b="1" dirty="0">
+                <a:solidFill>
+                  <a:srgbClr val="FF0000"/>
+                </a:solidFill>
+              </a:rPr>
+              <a:t>&gt;</a:t>
+            </a:r>
+            <a:endParaRPr lang="ko-KR" altLang="en-US" b="1" dirty="0">
+              <a:solidFill>
+                <a:srgbClr val="FF0000"/>
+              </a:solidFill>
+            </a:endParaRPr>
+          </a:p>
+        </p:txBody>
+      </p:sp>
+    </p:spTree>
+    <p:extLst>
+      <p:ext uri="{BB962C8B-B14F-4D97-AF65-F5344CB8AC3E}">
+        <p14:creationId xmlns:p14="http://schemas.microsoft.com/office/powerpoint/2010/main" val="2943230470"/>
       </p:ext>
     </p:extLst>
   </p:cSld>

--- a/Vi메모_캡스톤디자인_주차별_보고.pptx
+++ b/Vi메모_캡스톤디자인_주차별_보고.pptx
@@ -5,7 +5,7 @@
     <p:sldMasterId id="2147483660" r:id="rId1"/>
   </p:sldMasterIdLst>
   <p:notesMasterIdLst>
-    <p:notesMasterId r:id="rId12"/>
+    <p:notesMasterId r:id="rId14"/>
   </p:notesMasterIdLst>
   <p:sldIdLst>
     <p:sldId id="256" r:id="rId2"/>
@@ -18,6 +18,8 @@
     <p:sldId id="271" r:id="rId9"/>
     <p:sldId id="272" r:id="rId10"/>
     <p:sldId id="273" r:id="rId11"/>
+    <p:sldId id="274" r:id="rId12"/>
+    <p:sldId id="275" r:id="rId13"/>
   </p:sldIdLst>
   <p:sldSz cx="9144000" cy="6858000" type="screen4x3"/>
   <p:notesSz cx="6858000" cy="9144000"/>
@@ -494,7 +496,7 @@
           <a:p>
             <a:fld id="{E7F6F9A2-9DD7-4BFD-8560-ED9D186197C6}" type="datetimeFigureOut">
               <a:rPr lang="ko-KR" altLang="en-US" smtClean="0"/>
-              <a:t>2023-05-30</a:t>
+              <a:t>2023-06-06</a:t>
             </a:fld>
             <a:endParaRPr lang="ko-KR" altLang="en-US"/>
           </a:p>
@@ -4725,6 +4727,467 @@
     <p:extLst>
       <p:ext uri="{BB962C8B-B14F-4D97-AF65-F5344CB8AC3E}">
         <p14:creationId xmlns:p14="http://schemas.microsoft.com/office/powerpoint/2010/main" val="2943230470"/>
+      </p:ext>
+    </p:extLst>
+  </p:cSld>
+  <p:clrMapOvr>
+    <a:masterClrMapping/>
+  </p:clrMapOvr>
+</p:sld>
+</file>
+
+<file path=ppt/slides/slide11.xml><?xml version="1.0" encoding="utf-8"?>
+<p:sld xmlns:a="http://schemas.openxmlformats.org/drawingml/2006/main" xmlns:r="http://schemas.openxmlformats.org/officeDocument/2006/relationships" xmlns:p="http://schemas.openxmlformats.org/presentationml/2006/main">
+  <p:cSld>
+    <p:spTree>
+      <p:nvGrpSpPr>
+        <p:cNvPr id="1" name=""/>
+        <p:cNvGrpSpPr/>
+        <p:nvPr/>
+      </p:nvGrpSpPr>
+      <p:grpSpPr>
+        <a:xfrm>
+          <a:off x="0" y="0"/>
+          <a:ext cx="0" cy="0"/>
+          <a:chOff x="0" y="0"/>
+          <a:chExt cx="0" cy="0"/>
+        </a:xfrm>
+      </p:grpSpPr>
+      <p:sp>
+        <p:nvSpPr>
+          <p:cNvPr id="4" name="슬라이드 번호 개체 틀 3">
+            <a:extLst>
+              <a:ext uri="{FF2B5EF4-FFF2-40B4-BE49-F238E27FC236}">
+                <a16:creationId xmlns:a16="http://schemas.microsoft.com/office/drawing/2014/main" id="{44D11353-19BC-1C73-B83E-B3CBA218BEDA}"/>
+              </a:ext>
+            </a:extLst>
+          </p:cNvPr>
+          <p:cNvSpPr>
+            <a:spLocks noGrp="1"/>
+          </p:cNvSpPr>
+          <p:nvPr>
+            <p:ph type="sldNum" sz="quarter" idx="12"/>
+          </p:nvPr>
+        </p:nvSpPr>
+        <p:spPr/>
+        <p:txBody>
+          <a:bodyPr/>
+          <a:lstStyle/>
+          <a:p>
+            <a:fld id="{2F00E46C-ED49-42AD-BB6D-7499E1F08A71}" type="slidenum">
+              <a:rPr lang="ko-KR" altLang="en-US" smtClean="0"/>
+              <a:t>11</a:t>
+            </a:fld>
+            <a:endParaRPr lang="ko-KR" altLang="en-US"/>
+          </a:p>
+        </p:txBody>
+      </p:sp>
+      <p:sp>
+        <p:nvSpPr>
+          <p:cNvPr id="6" name="제목 5">
+            <a:extLst>
+              <a:ext uri="{FF2B5EF4-FFF2-40B4-BE49-F238E27FC236}">
+                <a16:creationId xmlns:a16="http://schemas.microsoft.com/office/drawing/2014/main" id="{3567C5A4-8B20-7528-477B-63EC9F2AEEBA}"/>
+              </a:ext>
+            </a:extLst>
+          </p:cNvPr>
+          <p:cNvSpPr>
+            <a:spLocks noGrp="1"/>
+          </p:cNvSpPr>
+          <p:nvPr>
+            <p:ph type="title"/>
+          </p:nvPr>
+        </p:nvSpPr>
+        <p:spPr/>
+        <p:txBody>
+          <a:bodyPr/>
+          <a:lstStyle/>
+          <a:p>
+            <a:r>
+              <a:rPr lang="en-US" altLang="ko-KR" dirty="0"/>
+              <a:t>14</a:t>
+            </a:r>
+            <a:r>
+              <a:rPr lang="ko-KR" altLang="en-US" dirty="0"/>
+              <a:t>주차 </a:t>
+            </a:r>
+            <a:r>
+              <a:rPr lang="en-US" altLang="ko-KR" dirty="0"/>
+              <a:t>: </a:t>
+            </a:r>
+            <a:r>
+              <a:rPr lang="ko-KR" altLang="en-US" dirty="0"/>
+              <a:t>텍스트 내용 인식하여 전화하기</a:t>
+            </a:r>
+          </a:p>
+        </p:txBody>
+      </p:sp>
+      <p:sp>
+        <p:nvSpPr>
+          <p:cNvPr id="8" name="TextBox 7">
+            <a:extLst>
+              <a:ext uri="{FF2B5EF4-FFF2-40B4-BE49-F238E27FC236}">
+                <a16:creationId xmlns:a16="http://schemas.microsoft.com/office/drawing/2014/main" id="{06DF60D8-AC2E-C22C-CD63-887541BA9491}"/>
+              </a:ext>
+            </a:extLst>
+          </p:cNvPr>
+          <p:cNvSpPr txBox="1"/>
+          <p:nvPr/>
+        </p:nvSpPr>
+        <p:spPr>
+          <a:xfrm>
+            <a:off x="1134815" y="5332651"/>
+            <a:ext cx="6874369" cy="923330"/>
+          </a:xfrm>
+          <a:prstGeom prst="rect">
+            <a:avLst/>
+          </a:prstGeom>
+          <a:noFill/>
+        </p:spPr>
+        <p:txBody>
+          <a:bodyPr wrap="square" rtlCol="0">
+            <a:spAutoFit/>
+          </a:bodyPr>
+          <a:lstStyle/>
+          <a:p>
+            <a:r>
+              <a:rPr lang="ko-KR" altLang="en-US" b="1" dirty="0"/>
+              <a:t> </a:t>
+            </a:r>
+            <a:r>
+              <a:rPr lang="en-US" altLang="ko-KR" b="1" dirty="0"/>
+              <a:t>- </a:t>
+            </a:r>
+            <a:r>
+              <a:rPr lang="ko-KR" altLang="en-US" b="1" dirty="0"/>
+              <a:t>텍스트로 작성된 메모에서 일정 및 </a:t>
+            </a:r>
+            <a:r>
+              <a:rPr lang="ko-KR" altLang="en-US" b="1" dirty="0">
+                <a:solidFill>
+                  <a:srgbClr val="FF0000"/>
+                </a:solidFill>
+              </a:rPr>
+              <a:t>시간 패턴</a:t>
+            </a:r>
+            <a:r>
+              <a:rPr lang="ko-KR" altLang="en-US" b="1" dirty="0"/>
+              <a:t>을</a:t>
+            </a:r>
+            <a:r>
+              <a:rPr lang="ko-KR" altLang="en-US" b="1" dirty="0">
+                <a:solidFill>
+                  <a:srgbClr val="FF0000"/>
+                </a:solidFill>
+              </a:rPr>
+              <a:t> </a:t>
+            </a:r>
+            <a:r>
+              <a:rPr lang="ko-KR" altLang="en-US" b="1" dirty="0"/>
+              <a:t>인식해서 알람을 설정할 수 있습니다</a:t>
+            </a:r>
+            <a:r>
+              <a:rPr lang="en-US" altLang="ko-KR" b="1" dirty="0"/>
+              <a:t>.</a:t>
+            </a:r>
+          </a:p>
+          <a:p>
+            <a:r>
+              <a:rPr lang="ko-KR" altLang="en-US" b="1" dirty="0"/>
+              <a:t>마지막으로 기능상 버그를 검토한 후 프로젝트를 완성했습니다</a:t>
+            </a:r>
+            <a:r>
+              <a:rPr lang="en-US" altLang="ko-KR" b="1" dirty="0"/>
+              <a:t>.</a:t>
+            </a:r>
+          </a:p>
+        </p:txBody>
+      </p:sp>
+      <p:pic>
+        <p:nvPicPr>
+          <p:cNvPr id="3" name="그림 2">
+            <a:extLst>
+              <a:ext uri="{FF2B5EF4-FFF2-40B4-BE49-F238E27FC236}">
+                <a16:creationId xmlns:a16="http://schemas.microsoft.com/office/drawing/2014/main" id="{75FA57F5-A1EF-25A4-2436-6CE7AB05DAE6}"/>
+              </a:ext>
+            </a:extLst>
+          </p:cNvPr>
+          <p:cNvPicPr>
+            <a:picLocks noChangeAspect="1"/>
+          </p:cNvPicPr>
+          <p:nvPr/>
+        </p:nvPicPr>
+        <p:blipFill>
+          <a:blip r:embed="rId2"/>
+          <a:stretch>
+            <a:fillRect/>
+          </a:stretch>
+        </p:blipFill>
+        <p:spPr>
+          <a:xfrm>
+            <a:off x="1824661" y="1250644"/>
+            <a:ext cx="3200400" cy="3114675"/>
+          </a:xfrm>
+          <a:prstGeom prst="rect">
+            <a:avLst/>
+          </a:prstGeom>
+        </p:spPr>
+      </p:pic>
+      <p:sp>
+        <p:nvSpPr>
+          <p:cNvPr id="16" name="직사각형 15">
+            <a:extLst>
+              <a:ext uri="{FF2B5EF4-FFF2-40B4-BE49-F238E27FC236}">
+                <a16:creationId xmlns:a16="http://schemas.microsoft.com/office/drawing/2014/main" id="{5CC53F59-6A2F-7A5B-E619-2830011F95F0}"/>
+              </a:ext>
+            </a:extLst>
+          </p:cNvPr>
+          <p:cNvSpPr/>
+          <p:nvPr/>
+        </p:nvSpPr>
+        <p:spPr>
+          <a:xfrm>
+            <a:off x="5394663" y="1250644"/>
+            <a:ext cx="1870887" cy="3828526"/>
+          </a:xfrm>
+          <a:prstGeom prst="rect">
+            <a:avLst/>
+          </a:prstGeom>
+          <a:blipFill>
+            <a:blip r:embed="rId3"/>
+            <a:stretch>
+              <a:fillRect/>
+            </a:stretch>
+          </a:blipFill>
+          <a:ln>
+            <a:noFill/>
+          </a:ln>
+          <a:effectLst>
+            <a:outerShdw blurRad="63500" sx="102000" sy="102000" algn="ctr" rotWithShape="0">
+              <a:prstClr val="black">
+                <a:alpha val="40000"/>
+              </a:prstClr>
+            </a:outerShdw>
+          </a:effectLst>
+        </p:spPr>
+        <p:style>
+          <a:lnRef idx="2">
+            <a:schemeClr val="accent1">
+              <a:shade val="50000"/>
+            </a:schemeClr>
+          </a:lnRef>
+          <a:fillRef idx="1">
+            <a:schemeClr val="accent1"/>
+          </a:fillRef>
+          <a:effectRef idx="0">
+            <a:schemeClr val="accent1"/>
+          </a:effectRef>
+          <a:fontRef idx="minor">
+            <a:schemeClr val="lt1"/>
+          </a:fontRef>
+        </p:style>
+        <p:txBody>
+          <a:bodyPr rtlCol="0" anchor="ctr"/>
+          <a:lstStyle/>
+          <a:p>
+            <a:pPr algn="ctr"/>
+            <a:endParaRPr lang="ko-KR" altLang="en-US"/>
+          </a:p>
+        </p:txBody>
+      </p:sp>
+      <p:sp>
+        <p:nvSpPr>
+          <p:cNvPr id="17" name="TextBox 16">
+            <a:extLst>
+              <a:ext uri="{FF2B5EF4-FFF2-40B4-BE49-F238E27FC236}">
+                <a16:creationId xmlns:a16="http://schemas.microsoft.com/office/drawing/2014/main" id="{E83ADF5F-8496-04D5-A131-69DFD0E8AE4A}"/>
+              </a:ext>
+            </a:extLst>
+          </p:cNvPr>
+          <p:cNvSpPr txBox="1"/>
+          <p:nvPr/>
+        </p:nvSpPr>
+        <p:spPr>
+          <a:xfrm>
+            <a:off x="2897757" y="4468728"/>
+            <a:ext cx="1107996" cy="369332"/>
+          </a:xfrm>
+          <a:prstGeom prst="rect">
+            <a:avLst/>
+          </a:prstGeom>
+          <a:noFill/>
+        </p:spPr>
+        <p:txBody>
+          <a:bodyPr wrap="none" rtlCol="0">
+            <a:spAutoFit/>
+          </a:bodyPr>
+          <a:lstStyle/>
+          <a:p>
+            <a:r>
+              <a:rPr lang="en-US" altLang="ko-KR" b="1" dirty="0">
+                <a:solidFill>
+                  <a:srgbClr val="FF0000"/>
+                </a:solidFill>
+              </a:rPr>
+              <a:t>&lt;</a:t>
+            </a:r>
+            <a:r>
+              <a:rPr lang="ko-KR" altLang="en-US" b="1" dirty="0" err="1">
+                <a:solidFill>
+                  <a:srgbClr val="FF0000"/>
+                </a:solidFill>
+              </a:rPr>
+              <a:t>예시문</a:t>
+            </a:r>
+            <a:r>
+              <a:rPr lang="en-US" altLang="ko-KR" b="1" dirty="0">
+                <a:solidFill>
+                  <a:srgbClr val="FF0000"/>
+                </a:solidFill>
+              </a:rPr>
+              <a:t>&gt;</a:t>
+            </a:r>
+            <a:endParaRPr lang="ko-KR" altLang="en-US" b="1" dirty="0">
+              <a:solidFill>
+                <a:srgbClr val="FF0000"/>
+              </a:solidFill>
+            </a:endParaRPr>
+          </a:p>
+        </p:txBody>
+      </p:sp>
+    </p:spTree>
+    <p:extLst>
+      <p:ext uri="{BB962C8B-B14F-4D97-AF65-F5344CB8AC3E}">
+        <p14:creationId xmlns:p14="http://schemas.microsoft.com/office/powerpoint/2010/main" val="2979202578"/>
+      </p:ext>
+    </p:extLst>
+  </p:cSld>
+  <p:clrMapOvr>
+    <a:masterClrMapping/>
+  </p:clrMapOvr>
+</p:sld>
+</file>
+
+<file path=ppt/slides/slide12.xml><?xml version="1.0" encoding="utf-8"?>
+<p:sld xmlns:a="http://schemas.openxmlformats.org/drawingml/2006/main" xmlns:r="http://schemas.openxmlformats.org/officeDocument/2006/relationships" xmlns:p="http://schemas.openxmlformats.org/presentationml/2006/main">
+  <p:cSld>
+    <p:bg>
+      <p:bgPr>
+        <a:solidFill>
+          <a:srgbClr val="FFFFFF"/>
+        </a:solidFill>
+        <a:effectLst/>
+      </p:bgPr>
+    </p:bg>
+    <p:spTree>
+      <p:nvGrpSpPr>
+        <p:cNvPr id="1" name=""/>
+        <p:cNvGrpSpPr/>
+        <p:nvPr/>
+      </p:nvGrpSpPr>
+      <p:grpSpPr>
+        <a:xfrm>
+          <a:off x="0" y="0"/>
+          <a:ext cx="0" cy="0"/>
+          <a:chOff x="0" y="0"/>
+          <a:chExt cx="0" cy="0"/>
+        </a:xfrm>
+      </p:grpSpPr>
+      <p:grpSp>
+        <p:nvGrpSpPr>
+          <p:cNvPr id="19" name="그룹 18">
+            <a:extLst>
+              <a:ext uri="{FF2B5EF4-FFF2-40B4-BE49-F238E27FC236}">
+                <a16:creationId xmlns:a16="http://schemas.microsoft.com/office/drawing/2014/main" id="{34EF8150-7AEB-1411-3D3E-750EAC95E2D8}"/>
+              </a:ext>
+            </a:extLst>
+          </p:cNvPr>
+          <p:cNvGrpSpPr/>
+          <p:nvPr/>
+        </p:nvGrpSpPr>
+        <p:grpSpPr>
+          <a:xfrm>
+            <a:off x="1695063" y="0"/>
+            <a:ext cx="6429753" cy="6858000"/>
+            <a:chOff x="2006770" y="0"/>
+            <a:chExt cx="6429753" cy="6858000"/>
+          </a:xfrm>
+        </p:grpSpPr>
+        <p:sp>
+          <p:nvSpPr>
+            <p:cNvPr id="21" name="TextBox 20">
+              <a:extLst>
+                <a:ext uri="{FF2B5EF4-FFF2-40B4-BE49-F238E27FC236}">
+                  <a16:creationId xmlns:a16="http://schemas.microsoft.com/office/drawing/2014/main" id="{3C29BF7C-3F01-2CD9-F443-151D73A1AC94}"/>
+                </a:ext>
+              </a:extLst>
+            </p:cNvPr>
+            <p:cNvSpPr txBox="1"/>
+            <p:nvPr/>
+          </p:nvSpPr>
+          <p:spPr>
+            <a:xfrm>
+              <a:off x="5551945" y="3429000"/>
+              <a:ext cx="2884578" cy="707886"/>
+            </a:xfrm>
+            <a:prstGeom prst="rect">
+              <a:avLst/>
+            </a:prstGeom>
+            <a:noFill/>
+          </p:spPr>
+          <p:txBody>
+            <a:bodyPr wrap="square" rtlCol="0">
+              <a:spAutoFit/>
+            </a:bodyPr>
+            <a:lstStyle/>
+            <a:p>
+              <a:r>
+                <a:rPr lang="ko-KR" altLang="en-US" sz="4000" b="1" dirty="0"/>
+                <a:t>이상입니다</a:t>
+              </a:r>
+              <a:r>
+                <a:rPr lang="en-US" altLang="ko-KR" sz="4000" b="1" dirty="0"/>
+                <a:t>.</a:t>
+              </a:r>
+              <a:endParaRPr lang="ko-KR" altLang="en-US" sz="4000" b="1" dirty="0"/>
+            </a:p>
+          </p:txBody>
+        </p:sp>
+        <p:pic>
+          <p:nvPicPr>
+            <p:cNvPr id="23" name="그림 22">
+              <a:extLst>
+                <a:ext uri="{FF2B5EF4-FFF2-40B4-BE49-F238E27FC236}">
+                  <a16:creationId xmlns:a16="http://schemas.microsoft.com/office/drawing/2014/main" id="{4579734D-8BBF-4C04-35B3-63B3A1EF40A1}"/>
+                </a:ext>
+              </a:extLst>
+            </p:cNvPr>
+            <p:cNvPicPr>
+              <a:picLocks noChangeAspect="1"/>
+            </p:cNvPicPr>
+            <p:nvPr/>
+          </p:nvPicPr>
+          <p:blipFill>
+            <a:blip r:embed="rId2"/>
+            <a:stretch>
+              <a:fillRect/>
+            </a:stretch>
+          </p:blipFill>
+          <p:spPr>
+            <a:xfrm>
+              <a:off x="2006770" y="0"/>
+              <a:ext cx="3253454" cy="6858000"/>
+            </a:xfrm>
+            <a:prstGeom prst="rect">
+              <a:avLst/>
+            </a:prstGeom>
+          </p:spPr>
+        </p:pic>
+      </p:grpSp>
+    </p:spTree>
+    <p:extLst>
+      <p:ext uri="{BB962C8B-B14F-4D97-AF65-F5344CB8AC3E}">
+        <p14:creationId xmlns:p14="http://schemas.microsoft.com/office/powerpoint/2010/main" val="3838538664"/>
       </p:ext>
     </p:extLst>
   </p:cSld>
